--- a/docs/diagrams/ApplyCommandDiagram.pptx
+++ b/docs/diagrams/ApplyCommandDiagram.pptx
@@ -4197,8 +4197,8 @@
         </p:nvSpPr>
         <p:spPr>
           <a:xfrm>
-            <a:off x="5452417" y="2893016"/>
-            <a:ext cx="1298078" cy="184666"/>
+            <a:off x="5330971" y="2930307"/>
+            <a:ext cx="1423782" cy="184666"/>
           </a:xfrm>
           <a:prstGeom prst="rect">
             <a:avLst/>
@@ -4993,8 +4993,8 @@
         </p:nvSpPr>
         <p:spPr>
           <a:xfrm>
-            <a:off x="7102453" y="2956560"/>
-            <a:ext cx="1175072" cy="184666"/>
+            <a:off x="6876199" y="2955259"/>
+            <a:ext cx="1373318" cy="184666"/>
           </a:xfrm>
           <a:prstGeom prst="rect">
             <a:avLst/>
@@ -5233,8 +5233,8 @@
         </p:nvSpPr>
         <p:spPr>
           <a:xfrm>
-            <a:off x="8560027" y="2973066"/>
-            <a:ext cx="1297860" cy="184666"/>
+            <a:off x="8407843" y="2960044"/>
+            <a:ext cx="1468021" cy="184666"/>
           </a:xfrm>
           <a:prstGeom prst="rect">
             <a:avLst/>
@@ -5849,8 +5849,8 @@
         </p:nvSpPr>
         <p:spPr>
           <a:xfrm>
-            <a:off x="7166149" y="3905332"/>
-            <a:ext cx="1175072" cy="184666"/>
+            <a:off x="6955028" y="3888740"/>
+            <a:ext cx="1278656" cy="184666"/>
           </a:xfrm>
           <a:prstGeom prst="rect">
             <a:avLst/>
